--- a/PresentationIA.pptx
+++ b/PresentationIA.pptx
@@ -2866,7 +2866,7 @@
   <dgm:whole/>
   <dgm:extLst>
     <a:ext uri="http://schemas.microsoft.com/office/drawing/2008/diagram">
-      <dsp:dataModelExt xmlns:dsp="http://schemas.microsoft.com/office/drawing/2008/diagram" relId="rId7" minVer="http://schemas.openxmlformats.org/drawingml/2006/diagram"/>
+      <dsp:dataModelExt xmlns:dsp="http://schemas.microsoft.com/office/drawing/2008/diagram" relId="rId8" minVer="http://schemas.openxmlformats.org/drawingml/2006/diagram"/>
     </a:ext>
   </dgm:extLst>
 </dgm:dataModel>
@@ -34184,55 +34184,243 @@
           <a:chExt cx="0" cy="0"/>
         </a:xfrm>
       </p:grpSpPr>
-      <p:sp>
-        <p:nvSpPr>
-          <p:cNvPr id="317" name="Google Shape;317;p30"/>
-          <p:cNvSpPr txBox="1">
-            <a:spLocks noGrp="1"/>
-          </p:cNvSpPr>
-          <p:nvPr>
-            <p:ph type="body" idx="1"/>
-          </p:nvPr>
-        </p:nvSpPr>
-        <p:spPr>
-          <a:xfrm>
-            <a:off x="672350" y="1842400"/>
-            <a:ext cx="2994300" cy="2550300"/>
-          </a:xfrm>
-          <a:prstGeom prst="rect">
-            <a:avLst/>
-          </a:prstGeom>
-        </p:spPr>
-        <p:txBody>
-          <a:bodyPr spcFirstLastPara="1" wrap="square" lIns="91425" tIns="91425" rIns="91425" bIns="91425" anchor="t" anchorCtr="0">
-            <a:noAutofit/>
-          </a:bodyPr>
-          <a:lstStyle/>
-          <a:p>
-            <a:pPr marL="285750" indent="-285750">
-              <a:spcAft>
-                <a:spcPts val="1600"/>
-              </a:spcAft>
-            </a:pPr>
-            <a:r>
-              <a:rPr lang="en-GB" dirty="0"/>
-              <a:t>The agent maps the heuristics into target indices of the map</a:t>
-            </a:r>
-          </a:p>
-          <a:p>
-            <a:pPr marL="285750" indent="-285750">
-              <a:spcAft>
-                <a:spcPts val="1600"/>
-              </a:spcAft>
-            </a:pPr>
-            <a:r>
-              <a:rPr lang="en-GB" dirty="0"/>
-              <a:t>A search algorithm explores the state of the reachable points of the map to find the solution</a:t>
-            </a:r>
-            <a:endParaRPr dirty="0"/>
-          </a:p>
-        </p:txBody>
-      </p:sp>
+      <mc:AlternateContent xmlns:mc="http://schemas.openxmlformats.org/markup-compatibility/2006">
+        <mc:Choice xmlns:a14="http://schemas.microsoft.com/office/drawing/2010/main" Requires="a14">
+          <p:sp>
+            <p:nvSpPr>
+              <p:cNvPr id="317" name="Google Shape;317;p30"/>
+              <p:cNvSpPr txBox="1">
+                <a:spLocks noGrp="1"/>
+              </p:cNvSpPr>
+              <p:nvPr>
+                <p:ph type="body" idx="1"/>
+              </p:nvPr>
+            </p:nvSpPr>
+            <p:spPr>
+              <a:xfrm>
+                <a:off x="672350" y="1136741"/>
+                <a:ext cx="3304930" cy="3383550"/>
+              </a:xfrm>
+              <a:prstGeom prst="rect">
+                <a:avLst/>
+              </a:prstGeom>
+            </p:spPr>
+            <p:txBody>
+              <a:bodyPr spcFirstLastPara="1" wrap="square" lIns="91425" tIns="91425" rIns="91425" bIns="91425" anchor="t" anchorCtr="0">
+                <a:noAutofit/>
+              </a:bodyPr>
+              <a:lstStyle/>
+              <a:p>
+                <a:pPr marL="285750" indent="-285750">
+                  <a:spcAft>
+                    <a:spcPts val="1600"/>
+                  </a:spcAft>
+                </a:pPr>
+                <a:r>
+                  <a:rPr lang="it-IT" dirty="0"/>
+                  <a:t>The utility </a:t>
+                </a:r>
+                <a:r>
+                  <a:rPr lang="it-IT" dirty="0" err="1"/>
+                  <a:t>function</a:t>
+                </a:r>
+                <a:r>
+                  <a:rPr lang="it-IT" dirty="0"/>
+                  <a:t> </a:t>
+                </a:r>
+                <a:r>
+                  <a:rPr lang="it-IT" dirty="0" err="1"/>
+                  <a:t>assigns</a:t>
+                </a:r>
+                <a:r>
+                  <a:rPr lang="it-IT" dirty="0"/>
+                  <a:t> utility </a:t>
+                </a:r>
+                <a:r>
+                  <a:rPr lang="it-IT" dirty="0" err="1"/>
+                  <a:t>value</a:t>
+                </a:r>
+                <a:r>
+                  <a:rPr lang="it-IT" dirty="0"/>
+                  <a:t> to game </a:t>
+                </a:r>
+                <a:r>
+                  <a:rPr lang="it-IT" dirty="0" err="1"/>
+                  <a:t>condition</a:t>
+                </a:r>
+                <a:endParaRPr lang="it-IT" dirty="0"/>
+              </a:p>
+              <a:p>
+                <a:pPr marL="285750" indent="-285750">
+                  <a:spcAft>
+                    <a:spcPts val="1600"/>
+                  </a:spcAft>
+                </a:pPr>
+                <a14:m>
+                  <m:oMath xmlns:m="http://schemas.openxmlformats.org/officeDocument/2006/math">
+                    <m:r>
+                      <a:rPr lang="en-GB" i="1" dirty="0" smtClean="0">
+                        <a:latin typeface="Cambria Math" panose="02040503050406030204" pitchFamily="18" charset="0"/>
+                      </a:rPr>
+                      <m:t>𝑢</m:t>
+                    </m:r>
+                    <m:r>
+                      <a:rPr lang="en-GB" i="0" dirty="0" smtClean="0">
+                        <a:latin typeface="Cambria Math" panose="02040503050406030204" pitchFamily="18" charset="0"/>
+                      </a:rPr>
+                      <m:t>:</m:t>
+                    </m:r>
+                    <m:r>
+                      <a:rPr lang="it-IT" b="0" i="1" dirty="0" smtClean="0">
+                        <a:latin typeface="Cambria Math" panose="02040503050406030204" pitchFamily="18" charset="0"/>
+                      </a:rPr>
+                      <m:t>𝐶</m:t>
+                    </m:r>
+                    <m:r>
+                      <a:rPr lang="it-IT" b="0" i="1" dirty="0" smtClean="0">
+                        <a:latin typeface="Cambria Math" panose="02040503050406030204" pitchFamily="18" charset="0"/>
+                      </a:rPr>
+                      <m:t>×</m:t>
+                    </m:r>
+                    <m:r>
+                      <a:rPr lang="it-IT" b="0" i="1" dirty="0" smtClean="0">
+                        <a:latin typeface="Cambria Math" panose="02040503050406030204" pitchFamily="18" charset="0"/>
+                      </a:rPr>
+                      <m:t>𝐴</m:t>
+                    </m:r>
+                    <m:r>
+                      <a:rPr lang="en-GB" i="0" dirty="0" smtClean="0">
+                        <a:latin typeface="Cambria Math" panose="02040503050406030204" pitchFamily="18" charset="0"/>
+                      </a:rPr>
+                      <m:t>→</m:t>
+                    </m:r>
+                    <m:r>
+                      <a:rPr lang="en-GB" i="1" dirty="0" smtClean="0">
+                        <a:latin typeface="Cambria Math" panose="02040503050406030204" pitchFamily="18" charset="0"/>
+                      </a:rPr>
+                      <m:t>𝑁</m:t>
+                    </m:r>
+                  </m:oMath>
+                </a14:m>
+                <a:endParaRPr lang="it-IT" dirty="0"/>
+              </a:p>
+              <a:p>
+                <a:pPr marL="285750" indent="-285750">
+                  <a:spcAft>
+                    <a:spcPts val="1600"/>
+                  </a:spcAft>
+                </a:pPr>
+                <a:endParaRPr lang="en-GB" dirty="0"/>
+              </a:p>
+              <a:p>
+                <a:pPr marL="285750" indent="-285750">
+                  <a:spcAft>
+                    <a:spcPts val="1600"/>
+                  </a:spcAft>
+                </a:pPr>
+                <a:r>
+                  <a:rPr lang="en-GB" dirty="0"/>
+                  <a:t>An heuristic search algorithm explores the game state to find the game condition</a:t>
+                </a:r>
+              </a:p>
+              <a:p>
+                <a:pPr marL="285750" indent="-285750">
+                  <a:spcAft>
+                    <a:spcPts val="1600"/>
+                  </a:spcAft>
+                </a:pPr>
+                <a14:m>
+                  <m:oMath xmlns:m="http://schemas.openxmlformats.org/officeDocument/2006/math">
+                    <m:r>
+                      <a:rPr lang="en-GB" i="1" dirty="0" smtClean="0">
+                        <a:latin typeface="Cambria Math" panose="02040503050406030204" pitchFamily="18" charset="0"/>
+                      </a:rPr>
+                      <m:t>𝑠</m:t>
+                    </m:r>
+                    <m:r>
+                      <a:rPr lang="en-GB" i="0" dirty="0" smtClean="0">
+                        <a:latin typeface="Cambria Math" panose="02040503050406030204" pitchFamily="18" charset="0"/>
+                      </a:rPr>
+                      <m:t>:</m:t>
+                    </m:r>
+                    <m:r>
+                      <a:rPr lang="en-GB" i="1" dirty="0" smtClean="0">
+                        <a:latin typeface="Cambria Math" panose="02040503050406030204" pitchFamily="18" charset="0"/>
+                      </a:rPr>
+                      <m:t>𝑃</m:t>
+                    </m:r>
+                    <m:r>
+                      <a:rPr lang="en-GB" i="0" dirty="0" smtClean="0">
+                        <a:latin typeface="Cambria Math" panose="02040503050406030204" pitchFamily="18" charset="0"/>
+                      </a:rPr>
+                      <m:t>×</m:t>
+                    </m:r>
+                    <m:r>
+                      <a:rPr lang="it-IT" b="0" i="1" dirty="0" smtClean="0">
+                        <a:latin typeface="Cambria Math" panose="02040503050406030204" pitchFamily="18" charset="0"/>
+                      </a:rPr>
+                      <m:t>𝐻</m:t>
+                    </m:r>
+                    <m:r>
+                      <a:rPr lang="en-GB" i="0" dirty="0" smtClean="0">
+                        <a:latin typeface="Cambria Math" panose="02040503050406030204" pitchFamily="18" charset="0"/>
+                      </a:rPr>
+                      <m:t>→</m:t>
+                    </m:r>
+                    <m:r>
+                      <a:rPr lang="it-IT" b="0" i="1" dirty="0" smtClean="0">
+                        <a:latin typeface="Cambria Math" panose="02040503050406030204" pitchFamily="18" charset="0"/>
+                      </a:rPr>
+                      <m:t>𝐶</m:t>
+                    </m:r>
+                  </m:oMath>
+                </a14:m>
+                <a:endParaRPr lang="en-GB" dirty="0"/>
+              </a:p>
+            </p:txBody>
+          </p:sp>
+        </mc:Choice>
+        <mc:Fallback>
+          <p:sp>
+            <p:nvSpPr>
+              <p:cNvPr id="317" name="Google Shape;317;p30"/>
+              <p:cNvSpPr txBox="1">
+                <a:spLocks noGrp="1" noRot="1" noChangeAspect="1" noMove="1" noResize="1" noEditPoints="1" noAdjustHandles="1" noChangeArrowheads="1" noChangeShapeType="1" noTextEdit="1"/>
+              </p:cNvSpPr>
+              <p:nvPr>
+                <p:ph type="body" idx="1"/>
+              </p:nvPr>
+            </p:nvSpPr>
+            <p:spPr>
+              <a:xfrm>
+                <a:off x="672350" y="1136741"/>
+                <a:ext cx="3304930" cy="3383550"/>
+              </a:xfrm>
+              <a:prstGeom prst="rect">
+                <a:avLst/>
+              </a:prstGeom>
+              <a:blipFill>
+                <a:blip r:embed="rId3"/>
+                <a:stretch>
+                  <a:fillRect l="-923"/>
+                </a:stretch>
+              </a:blipFill>
+            </p:spPr>
+            <p:txBody>
+              <a:bodyPr/>
+              <a:lstStyle/>
+              <a:p>
+                <a:r>
+                  <a:rPr lang="en-GB">
+                    <a:noFill/>
+                  </a:rPr>
+                  <a:t> </a:t>
+                </a:r>
+              </a:p>
+            </p:txBody>
+          </p:sp>
+        </mc:Fallback>
+      </mc:AlternateContent>
       <p:sp>
         <p:nvSpPr>
           <p:cNvPr id="318" name="Google Shape;318;p30"/>
@@ -34311,7 +34499,7 @@
         </p:xfrm>
         <a:graphic>
           <a:graphicData uri="http://schemas.openxmlformats.org/drawingml/2006/diagram">
-            <dgm:relIds xmlns:dgm="http://schemas.openxmlformats.org/drawingml/2006/diagram" xmlns:r="http://schemas.openxmlformats.org/officeDocument/2006/relationships" r:dm="rId3" r:lo="rId4" r:qs="rId5" r:cs="rId6"/>
+            <dgm:relIds xmlns:dgm="http://schemas.openxmlformats.org/drawingml/2006/diagram" xmlns:r="http://schemas.openxmlformats.org/officeDocument/2006/relationships" r:dm="rId4" r:lo="rId5" r:qs="rId6" r:cs="rId7"/>
           </a:graphicData>
         </a:graphic>
       </p:graphicFrame>
@@ -34330,10 +34518,10 @@
           <p:nvPr/>
         </p:nvPicPr>
         <p:blipFill>
-          <a:blip r:embed="rId8">
+          <a:blip r:embed="rId9">
             <a:extLst>
               <a:ext uri="{96DAC541-7B7A-43D3-8B79-37D633B846F1}">
-                <asvg:svgBlip xmlns:asvg="http://schemas.microsoft.com/office/drawing/2016/SVG/main" r:embed="rId9"/>
+                <asvg:svgBlip xmlns:asvg="http://schemas.microsoft.com/office/drawing/2016/SVG/main" r:embed="rId10"/>
               </a:ext>
             </a:extLst>
           </a:blip>
@@ -34366,10 +34554,10 @@
           <p:nvPr/>
         </p:nvPicPr>
         <p:blipFill>
-          <a:blip r:embed="rId10">
+          <a:blip r:embed="rId11">
             <a:extLst>
               <a:ext uri="{96DAC541-7B7A-43D3-8B79-37D633B846F1}">
-                <asvg:svgBlip xmlns:asvg="http://schemas.microsoft.com/office/drawing/2016/SVG/main" r:embed="rId11"/>
+                <asvg:svgBlip xmlns:asvg="http://schemas.microsoft.com/office/drawing/2016/SVG/main" r:embed="rId12"/>
               </a:ext>
             </a:extLst>
           </a:blip>
@@ -34402,10 +34590,10 @@
           <p:nvPr/>
         </p:nvPicPr>
         <p:blipFill>
-          <a:blip r:embed="rId12">
+          <a:blip r:embed="rId13">
             <a:extLst>
               <a:ext uri="{96DAC541-7B7A-43D3-8B79-37D633B846F1}">
-                <asvg:svgBlip xmlns:asvg="http://schemas.microsoft.com/office/drawing/2016/SVG/main" r:embed="rId13"/>
+                <asvg:svgBlip xmlns:asvg="http://schemas.microsoft.com/office/drawing/2016/SVG/main" r:embed="rId14"/>
               </a:ext>
             </a:extLst>
           </a:blip>
@@ -40618,7 +40806,7 @@
             </a:pPr>
             <a:r>
               <a:rPr lang="en-GB" dirty="0"/>
-              <a:t>Used in the heuristics applied to identify the known environment configurations and in the search algorithms to find maze targets</a:t>
+              <a:t>Used in the heuristics applied to identify the game conditions</a:t>
             </a:r>
           </a:p>
           <a:p>
@@ -41148,7 +41336,7 @@
             </a:pPr>
             <a:r>
               <a:rPr lang="en-GB" dirty="0"/>
-              <a:t>The agent autonomously learns which actions are "good" and which are "bad“ looking at its performance</a:t>
+              <a:t>The agent autonomously learns which actions are "good" and which are "bad“ </a:t>
             </a:r>
           </a:p>
           <a:p>
@@ -41295,15 +41483,7 @@
             </a:r>
             <a:r>
               <a:rPr lang="it-IT" dirty="0"/>
-              <a:t> </a:t>
-            </a:r>
-            <a:r>
-              <a:rPr lang="it-IT" dirty="0" err="1"/>
-              <a:t>intensite</a:t>
-            </a:r>
-            <a:r>
-              <a:rPr lang="it-IT" dirty="0"/>
-              <a:t> task</a:t>
+              <a:t> intensive task</a:t>
             </a:r>
             <a:endParaRPr dirty="0"/>
           </a:p>
